--- a/documents/sprint-docs/AustinSprint8.pptx
+++ b/documents/sprint-docs/AustinSprint8.pptx
@@ -123,6 +123,7 @@
 <file path=ppt/revisionInfo.xml><?xml version="1.0" encoding="utf-8"?>
 <p1510:revInfo xmlns:a="http://schemas.openxmlformats.org/drawingml/2006/main" xmlns:r="http://schemas.openxmlformats.org/officeDocument/2006/relationships" xmlns:p1510="http://schemas.microsoft.com/office/powerpoint/2015/10/main">
   <p1510:revLst>
+    <p1510:client id="{936B364E-6517-093F-21A6-0F95B2943508}" v="203" dt="2022-10-21T01:42:15.943"/>
     <p1510:client id="{951B5C7C-DB14-4FF3-9B55-DA324AAC70F1}" v="12" dt="2022-09-29T23:50:23.229"/>
     <p1510:client id="{FF248AE5-9DD8-39A4-AC65-A25E2B0D81BA}" v="244" dt="2022-09-30T01:33:22.648"/>
   </p1510:revLst>
@@ -383,6 +384,30 @@
       </pc:sldChg>
     </pc:docChg>
   </pc:docChgLst>
+  <pc:docChgLst>
+    <pc:chgData name="Austin Bray Champtaloup" userId="S::abraychamptaloup@stu.kerikerihigh.ac.nz::ef9dffb8-3a09-47fa-9d41-5b9c899fb4c4" providerId="AD" clId="Web-{936B364E-6517-093F-21A6-0F95B2943508}"/>
+    <pc:docChg chg="modSld">
+      <pc:chgData name="Austin Bray Champtaloup" userId="S::abraychamptaloup@stu.kerikerihigh.ac.nz::ef9dffb8-3a09-47fa-9d41-5b9c899fb4c4" providerId="AD" clId="Web-{936B364E-6517-093F-21A6-0F95B2943508}" dt="2022-10-21T01:42:15.943" v="202" actId="20577"/>
+      <pc:docMkLst>
+        <pc:docMk/>
+      </pc:docMkLst>
+      <pc:sldChg chg="modSp">
+        <pc:chgData name="Austin Bray Champtaloup" userId="S::abraychamptaloup@stu.kerikerihigh.ac.nz::ef9dffb8-3a09-47fa-9d41-5b9c899fb4c4" providerId="AD" clId="Web-{936B364E-6517-093F-21A6-0F95B2943508}" dt="2022-10-21T01:42:15.943" v="202" actId="20577"/>
+        <pc:sldMkLst>
+          <pc:docMk/>
+          <pc:sldMk cId="1107228938" sldId="261"/>
+        </pc:sldMkLst>
+        <pc:spChg chg="mod">
+          <ac:chgData name="Austin Bray Champtaloup" userId="S::abraychamptaloup@stu.kerikerihigh.ac.nz::ef9dffb8-3a09-47fa-9d41-5b9c899fb4c4" providerId="AD" clId="Web-{936B364E-6517-093F-21A6-0F95B2943508}" dt="2022-10-21T01:42:15.943" v="202" actId="20577"/>
+          <ac:spMkLst>
+            <pc:docMk/>
+            <pc:sldMk cId="1107228938" sldId="261"/>
+            <ac:spMk id="3" creationId="{5056AA62-CDA3-4510-AF9E-3017CD132DB6}"/>
+          </ac:spMkLst>
+        </pc:spChg>
+      </pc:sldChg>
+    </pc:docChg>
+  </pc:docChgLst>
 </pc:chgInfo>
 </file>
 
@@ -517,7 +542,7 @@
           <a:p>
             <a:fld id="{846CE7D5-CF57-46EF-B807-FDD0502418D4}" type="datetimeFigureOut">
               <a:rPr lang="en-US" smtClean="0"/>
-              <a:t>9/29/2022</a:t>
+              <a:t>10/20/2022</a:t>
             </a:fld>
             <a:endParaRPr lang="en-US"/>
           </a:p>
@@ -687,7 +712,7 @@
           <a:p>
             <a:fld id="{846CE7D5-CF57-46EF-B807-FDD0502418D4}" type="datetimeFigureOut">
               <a:rPr lang="en-US" smtClean="0"/>
-              <a:t>9/29/2022</a:t>
+              <a:t>10/20/2022</a:t>
             </a:fld>
             <a:endParaRPr lang="en-US"/>
           </a:p>
@@ -867,7 +892,7 @@
           <a:p>
             <a:fld id="{846CE7D5-CF57-46EF-B807-FDD0502418D4}" type="datetimeFigureOut">
               <a:rPr lang="en-US" smtClean="0"/>
-              <a:t>9/29/2022</a:t>
+              <a:t>10/20/2022</a:t>
             </a:fld>
             <a:endParaRPr lang="en-US"/>
           </a:p>
@@ -1077,7 +1102,7 @@
           <a:p>
             <a:fld id="{E08466A4-FDA0-4AFB-B05A-C40CE52B08F9}" type="datetimeFigureOut">
               <a:rPr lang="en-NZ" smtClean="0"/>
-              <a:t>29/09/2022</a:t>
+              <a:t>20/10/2022</a:t>
             </a:fld>
             <a:endParaRPr lang="en-NZ"/>
           </a:p>
@@ -1277,7 +1302,7 @@
           <a:p>
             <a:fld id="{E08466A4-FDA0-4AFB-B05A-C40CE52B08F9}" type="datetimeFigureOut">
               <a:rPr lang="en-NZ" smtClean="0"/>
-              <a:t>29/09/2022</a:t>
+              <a:t>20/10/2022</a:t>
             </a:fld>
             <a:endParaRPr lang="en-NZ"/>
           </a:p>
@@ -1553,7 +1578,7 @@
           <a:p>
             <a:fld id="{E08466A4-FDA0-4AFB-B05A-C40CE52B08F9}" type="datetimeFigureOut">
               <a:rPr lang="en-NZ" smtClean="0"/>
-              <a:t>29/09/2022</a:t>
+              <a:t>20/10/2022</a:t>
             </a:fld>
             <a:endParaRPr lang="en-NZ"/>
           </a:p>
@@ -1821,7 +1846,7 @@
           <a:p>
             <a:fld id="{E08466A4-FDA0-4AFB-B05A-C40CE52B08F9}" type="datetimeFigureOut">
               <a:rPr lang="en-NZ" smtClean="0"/>
-              <a:t>29/09/2022</a:t>
+              <a:t>20/10/2022</a:t>
             </a:fld>
             <a:endParaRPr lang="en-NZ"/>
           </a:p>
@@ -2236,7 +2261,7 @@
           <a:p>
             <a:fld id="{E08466A4-FDA0-4AFB-B05A-C40CE52B08F9}" type="datetimeFigureOut">
               <a:rPr lang="en-NZ" smtClean="0"/>
-              <a:t>29/09/2022</a:t>
+              <a:t>20/10/2022</a:t>
             </a:fld>
             <a:endParaRPr lang="en-NZ"/>
           </a:p>
@@ -2378,7 +2403,7 @@
           <a:p>
             <a:fld id="{E08466A4-FDA0-4AFB-B05A-C40CE52B08F9}" type="datetimeFigureOut">
               <a:rPr lang="en-NZ" smtClean="0"/>
-              <a:t>29/09/2022</a:t>
+              <a:t>20/10/2022</a:t>
             </a:fld>
             <a:endParaRPr lang="en-NZ"/>
           </a:p>
@@ -2491,7 +2516,7 @@
           <a:p>
             <a:fld id="{E08466A4-FDA0-4AFB-B05A-C40CE52B08F9}" type="datetimeFigureOut">
               <a:rPr lang="en-NZ" smtClean="0"/>
-              <a:t>29/09/2022</a:t>
+              <a:t>20/10/2022</a:t>
             </a:fld>
             <a:endParaRPr lang="en-NZ"/>
           </a:p>
@@ -2804,7 +2829,7 @@
           <a:p>
             <a:fld id="{E08466A4-FDA0-4AFB-B05A-C40CE52B08F9}" type="datetimeFigureOut">
               <a:rPr lang="en-NZ" smtClean="0"/>
-              <a:t>29/09/2022</a:t>
+              <a:t>20/10/2022</a:t>
             </a:fld>
             <a:endParaRPr lang="en-NZ"/>
           </a:p>
@@ -2986,7 +3011,7 @@
           <a:p>
             <a:fld id="{846CE7D5-CF57-46EF-B807-FDD0502418D4}" type="datetimeFigureOut">
               <a:rPr lang="en-US" smtClean="0"/>
-              <a:t>9/29/2022</a:t>
+              <a:t>10/20/2022</a:t>
             </a:fld>
             <a:endParaRPr lang="en-US"/>
           </a:p>
@@ -3263,7 +3288,7 @@
           <a:p>
             <a:fld id="{E08466A4-FDA0-4AFB-B05A-C40CE52B08F9}" type="datetimeFigureOut">
               <a:rPr lang="en-NZ" smtClean="0"/>
-              <a:t>29/09/2022</a:t>
+              <a:t>20/10/2022</a:t>
             </a:fld>
             <a:endParaRPr lang="en-NZ"/>
           </a:p>
@@ -3463,7 +3488,7 @@
           <a:p>
             <a:fld id="{E08466A4-FDA0-4AFB-B05A-C40CE52B08F9}" type="datetimeFigureOut">
               <a:rPr lang="en-NZ" smtClean="0"/>
-              <a:t>29/09/2022</a:t>
+              <a:t>20/10/2022</a:t>
             </a:fld>
             <a:endParaRPr lang="en-NZ"/>
           </a:p>
@@ -3673,7 +3698,7 @@
           <a:p>
             <a:fld id="{E08466A4-FDA0-4AFB-B05A-C40CE52B08F9}" type="datetimeFigureOut">
               <a:rPr lang="en-NZ" smtClean="0"/>
-              <a:t>29/09/2022</a:t>
+              <a:t>20/10/2022</a:t>
             </a:fld>
             <a:endParaRPr lang="en-NZ"/>
           </a:p>
@@ -3931,7 +3956,7 @@
           <a:p>
             <a:fld id="{846CE7D5-CF57-46EF-B807-FDD0502418D4}" type="datetimeFigureOut">
               <a:rPr lang="en-US" smtClean="0"/>
-              <a:t>9/29/2022</a:t>
+              <a:t>10/20/2022</a:t>
             </a:fld>
             <a:endParaRPr lang="en-US"/>
           </a:p>
@@ -4163,7 +4188,7 @@
           <a:p>
             <a:fld id="{846CE7D5-CF57-46EF-B807-FDD0502418D4}" type="datetimeFigureOut">
               <a:rPr lang="en-US" smtClean="0"/>
-              <a:t>9/29/2022</a:t>
+              <a:t>10/20/2022</a:t>
             </a:fld>
             <a:endParaRPr lang="en-US"/>
           </a:p>
@@ -4530,7 +4555,7 @@
           <a:p>
             <a:fld id="{846CE7D5-CF57-46EF-B807-FDD0502418D4}" type="datetimeFigureOut">
               <a:rPr lang="en-US" smtClean="0"/>
-              <a:t>9/29/2022</a:t>
+              <a:t>10/20/2022</a:t>
             </a:fld>
             <a:endParaRPr lang="en-US"/>
           </a:p>
@@ -4648,7 +4673,7 @@
           <a:p>
             <a:fld id="{846CE7D5-CF57-46EF-B807-FDD0502418D4}" type="datetimeFigureOut">
               <a:rPr lang="en-US" smtClean="0"/>
-              <a:t>9/29/2022</a:t>
+              <a:t>10/20/2022</a:t>
             </a:fld>
             <a:endParaRPr lang="en-US"/>
           </a:p>
@@ -4743,7 +4768,7 @@
           <a:p>
             <a:fld id="{846CE7D5-CF57-46EF-B807-FDD0502418D4}" type="datetimeFigureOut">
               <a:rPr lang="en-US" smtClean="0"/>
-              <a:t>9/29/2022</a:t>
+              <a:t>10/20/2022</a:t>
             </a:fld>
             <a:endParaRPr lang="en-US"/>
           </a:p>
@@ -5020,7 +5045,7 @@
           <a:p>
             <a:fld id="{846CE7D5-CF57-46EF-B807-FDD0502418D4}" type="datetimeFigureOut">
               <a:rPr lang="en-US" smtClean="0"/>
-              <a:t>9/29/2022</a:t>
+              <a:t>10/20/2022</a:t>
             </a:fld>
             <a:endParaRPr lang="en-US"/>
           </a:p>
@@ -5277,7 +5302,7 @@
           <a:p>
             <a:fld id="{846CE7D5-CF57-46EF-B807-FDD0502418D4}" type="datetimeFigureOut">
               <a:rPr lang="en-US" smtClean="0"/>
-              <a:t>9/29/2022</a:t>
+              <a:t>10/20/2022</a:t>
             </a:fld>
             <a:endParaRPr lang="en-US"/>
           </a:p>
@@ -5490,7 +5515,7 @@
           <a:p>
             <a:fld id="{846CE7D5-CF57-46EF-B807-FDD0502418D4}" type="datetimeFigureOut">
               <a:rPr lang="en-US" smtClean="0"/>
-              <a:t>9/29/2022</a:t>
+              <a:t>10/20/2022</a:t>
             </a:fld>
             <a:endParaRPr lang="en-US"/>
           </a:p>
@@ -6048,7 +6073,7 @@
           <a:p>
             <a:fld id="{E08466A4-FDA0-4AFB-B05A-C40CE52B08F9}" type="datetimeFigureOut">
               <a:rPr lang="en-NZ" smtClean="0"/>
-              <a:t>29/09/2022</a:t>
+              <a:t>20/10/2022</a:t>
             </a:fld>
             <a:endParaRPr lang="en-NZ"/>
           </a:p>
@@ -6897,6 +6922,23 @@
                 <a:cs typeface="Calibri"/>
               </a:rPr>
               <a:t>Level 5 was added, a thin strip of sand with an ocean on each side that goes on infinitely in each direction, this functions as the ending to our game, the final level.</a:t>
+            </a:r>
+          </a:p>
+          <a:p>
+            <a:pPr marL="0" indent="0">
+              <a:buNone/>
+            </a:pPr>
+            <a:r>
+              <a:rPr lang="en-NZ" sz="1200" dirty="0">
+                <a:cs typeface="Calibri"/>
+              </a:rPr>
+              <a:t>We had our classmate Cam do a playtest of our "finished" game, to see how a player would play from start to finish. There were a few things that he liked; the enemy ai, the ray casting shadows that give the game a feeling of "confinement" and increase the fear of the unknown, and the level design, it felt like a maze, but was fair. Only setting the player back a few seconds if they run </a:t>
+            </a:r>
+            <a:r>
+              <a:rPr lang="en-NZ" sz="1200">
+                <a:cs typeface="Calibri"/>
+              </a:rPr>
+              <a:t>into a dead end. He managed to finish the first level in under 20 mins, which is a lot faster than what we expected.</a:t>
             </a:r>
           </a:p>
           <a:p>
